--- a/ResNet18-for-cifar10.pptx
+++ b/ResNet18-for-cifar10.pptx
@@ -215,7 +215,7 @@
           <a:p>
             <a:fld id="{A3D84938-860B-40A8-9DE6-812BAC971F07}" type="datetimeFigureOut">
               <a:rPr lang="zh-CN" altLang="en-US" smtClean="0"/>
-              <a:t>2024/5/6</a:t>
+              <a:t>2024/5/14</a:t>
             </a:fld>
             <a:endParaRPr lang="zh-CN" altLang="en-US"/>
           </a:p>
@@ -1026,6 +1026,41 @@
             </a:r>
             <a:r>
               <a:rPr lang="zh-CN" altLang="en-US" dirty="0"/>
+              <a:t>数据集的分类界限并不明确，类内差距可能小于类间差距</a:t>
+            </a:r>
+            <a:endParaRPr lang="en-US" altLang="zh-CN" dirty="0"/>
+          </a:p>
+          <a:p>
+            <a:pPr marL="0" marR="0" lvl="0" indent="0" algn="l" defTabSz="914400" rtl="0" eaLnBrk="1" fontAlgn="auto" latinLnBrk="0" hangingPunct="1">
+              <a:lnSpc>
+                <a:spcPct val="100000"/>
+              </a:lnSpc>
+              <a:spcBef>
+                <a:spcPts val="0"/>
+              </a:spcBef>
+              <a:spcAft>
+                <a:spcPts val="0"/>
+              </a:spcAft>
+              <a:buClrTx/>
+              <a:buSzTx/>
+              <a:buFontTx/>
+              <a:buNone/>
+              <a:defRPr/>
+            </a:pPr>
+            <a:r>
+              <a:rPr lang="en-US" altLang="zh-CN"/>
+              <a:t>3</a:t>
+            </a:r>
+            <a:r>
+              <a:rPr lang="en-US" altLang="zh-CN" dirty="0"/>
+              <a:t>.</a:t>
+            </a:r>
+            <a:r>
+              <a:rPr lang="en-US" altLang="zh-CN"/>
+              <a:t>.</a:t>
+            </a:r>
+            <a:r>
+              <a:rPr lang="zh-CN" altLang="en-US" dirty="0"/>
               <a:t>网络的表达能力还不够，还能进一步优化</a:t>
             </a:r>
           </a:p>
@@ -2350,7 +2385,7 @@
           <a:p>
             <a:fld id="{85C42140-CB71-4442-8529-49571E635128}" type="datetimeFigureOut">
               <a:rPr lang="zh-CN" altLang="en-US" smtClean="0"/>
-              <a:t>2024/5/6</a:t>
+              <a:t>2024/5/14</a:t>
             </a:fld>
             <a:endParaRPr lang="zh-CN" altLang="en-US"/>
           </a:p>
@@ -2403,13 +2438,13 @@
   <p:clrMapOvr>
     <a:masterClrMapping/>
   </p:clrMapOvr>
-  <mc:AlternateContent xmlns:mc="http://schemas.openxmlformats.org/markup-compatibility/2006">
-    <mc:Choice xmlns:p14="http://schemas.microsoft.com/office/powerpoint/2010/main" Requires="p14">
+  <mc:AlternateContent xmlns:mc="http://schemas.openxmlformats.org/markup-compatibility/2006" xmlns:p14="http://schemas.microsoft.com/office/powerpoint/2010/main">
+    <mc:Choice Requires="p14">
       <p:transition p14:dur="300">
         <p:wipe/>
       </p:transition>
     </mc:Choice>
-    <mc:Fallback>
+    <mc:Fallback xmlns="">
       <p:transition>
         <p:wipe/>
       </p:transition>
@@ -2525,7 +2560,7 @@
           <a:p>
             <a:fld id="{85C42140-CB71-4442-8529-49571E635128}" type="datetimeFigureOut">
               <a:rPr lang="zh-CN" altLang="en-US" smtClean="0"/>
-              <a:t>2024/5/6</a:t>
+              <a:t>2024/5/14</a:t>
             </a:fld>
             <a:endParaRPr lang="zh-CN" altLang="en-US"/>
           </a:p>
@@ -2578,13 +2613,13 @@
   <p:clrMapOvr>
     <a:masterClrMapping/>
   </p:clrMapOvr>
-  <mc:AlternateContent xmlns:mc="http://schemas.openxmlformats.org/markup-compatibility/2006">
-    <mc:Choice xmlns:p14="http://schemas.microsoft.com/office/powerpoint/2010/main" Requires="p14">
+  <mc:AlternateContent xmlns:mc="http://schemas.openxmlformats.org/markup-compatibility/2006" xmlns:p14="http://schemas.microsoft.com/office/powerpoint/2010/main">
+    <mc:Choice Requires="p14">
       <p:transition p14:dur="300">
         <p:wipe/>
       </p:transition>
     </mc:Choice>
-    <mc:Fallback>
+    <mc:Fallback xmlns="">
       <p:transition>
         <p:wipe/>
       </p:transition>
@@ -2710,7 +2745,7 @@
           <a:p>
             <a:fld id="{85C42140-CB71-4442-8529-49571E635128}" type="datetimeFigureOut">
               <a:rPr lang="zh-CN" altLang="en-US" smtClean="0"/>
-              <a:t>2024/5/6</a:t>
+              <a:t>2024/5/14</a:t>
             </a:fld>
             <a:endParaRPr lang="zh-CN" altLang="en-US"/>
           </a:p>
@@ -2763,13 +2798,13 @@
   <p:clrMapOvr>
     <a:masterClrMapping/>
   </p:clrMapOvr>
-  <mc:AlternateContent xmlns:mc="http://schemas.openxmlformats.org/markup-compatibility/2006">
-    <mc:Choice xmlns:p14="http://schemas.microsoft.com/office/powerpoint/2010/main" Requires="p14">
+  <mc:AlternateContent xmlns:mc="http://schemas.openxmlformats.org/markup-compatibility/2006" xmlns:p14="http://schemas.microsoft.com/office/powerpoint/2010/main">
+    <mc:Choice Requires="p14">
       <p:transition p14:dur="300">
         <p:wipe/>
       </p:transition>
     </mc:Choice>
-    <mc:Fallback>
+    <mc:Fallback xmlns="">
       <p:transition>
         <p:wipe/>
       </p:transition>
@@ -2843,7 +2878,7 @@
                 <a:ea typeface="OPPOSans B"/>
                 <a:cs typeface="+mn-cs"/>
               </a:rPr>
-              <a:t>2024/5/6</a:t>
+              <a:t>2024/5/14</a:t>
             </a:fld>
             <a:endParaRPr kumimoji="0" lang="zh-CN" altLang="en-US" sz="1200" b="0" i="0" u="none" strike="noStrike" kern="1200" cap="none" spc="0" normalizeH="0" baseline="0" noProof="0">
               <a:ln>
@@ -2988,13 +3023,13 @@
   <p:clrMapOvr>
     <a:masterClrMapping/>
   </p:clrMapOvr>
-  <mc:AlternateContent xmlns:mc="http://schemas.openxmlformats.org/markup-compatibility/2006">
-    <mc:Choice xmlns:p14="http://schemas.microsoft.com/office/powerpoint/2010/main" Requires="p14">
+  <mc:AlternateContent xmlns:mc="http://schemas.openxmlformats.org/markup-compatibility/2006" xmlns:p14="http://schemas.microsoft.com/office/powerpoint/2010/main">
+    <mc:Choice Requires="p14">
       <p:transition p14:dur="300">
         <p:wipe/>
       </p:transition>
     </mc:Choice>
-    <mc:Fallback>
+    <mc:Fallback xmlns="">
       <p:transition>
         <p:wipe/>
       </p:transition>
@@ -3110,7 +3145,7 @@
           <a:p>
             <a:fld id="{85C42140-CB71-4442-8529-49571E635128}" type="datetimeFigureOut">
               <a:rPr lang="zh-CN" altLang="en-US" smtClean="0"/>
-              <a:t>2024/5/6</a:t>
+              <a:t>2024/5/14</a:t>
             </a:fld>
             <a:endParaRPr lang="zh-CN" altLang="en-US"/>
           </a:p>
@@ -3168,13 +3203,13 @@
   <p:clrMapOvr>
     <a:masterClrMapping/>
   </p:clrMapOvr>
-  <mc:AlternateContent xmlns:mc="http://schemas.openxmlformats.org/markup-compatibility/2006">
-    <mc:Choice xmlns:p14="http://schemas.microsoft.com/office/powerpoint/2010/main" Requires="p14">
+  <mc:AlternateContent xmlns:mc="http://schemas.openxmlformats.org/markup-compatibility/2006" xmlns:p14="http://schemas.microsoft.com/office/powerpoint/2010/main">
+    <mc:Choice Requires="p14">
       <p:transition p14:dur="300">
         <p:wipe/>
       </p:transition>
     </mc:Choice>
-    <mc:Fallback>
+    <mc:Fallback xmlns="">
       <p:transition>
         <p:wipe/>
       </p:transition>
@@ -3290,7 +3325,7 @@
           <a:p>
             <a:fld id="{85C42140-CB71-4442-8529-49571E635128}" type="datetimeFigureOut">
               <a:rPr lang="zh-CN" altLang="en-US" smtClean="0"/>
-              <a:t>2024/5/6</a:t>
+              <a:t>2024/5/14</a:t>
             </a:fld>
             <a:endParaRPr lang="zh-CN" altLang="en-US"/>
           </a:p>
@@ -3343,13 +3378,13 @@
   <p:clrMapOvr>
     <a:masterClrMapping/>
   </p:clrMapOvr>
-  <mc:AlternateContent xmlns:mc="http://schemas.openxmlformats.org/markup-compatibility/2006">
-    <mc:Choice xmlns:p14="http://schemas.microsoft.com/office/powerpoint/2010/main" Requires="p14">
+  <mc:AlternateContent xmlns:mc="http://schemas.openxmlformats.org/markup-compatibility/2006" xmlns:p14="http://schemas.microsoft.com/office/powerpoint/2010/main">
+    <mc:Choice Requires="p14">
       <p:transition p14:dur="300">
         <p:wipe/>
       </p:transition>
     </mc:Choice>
-    <mc:Fallback>
+    <mc:Fallback xmlns="">
       <p:transition>
         <p:wipe/>
       </p:transition>
@@ -3542,7 +3577,7 @@
           <a:p>
             <a:fld id="{85C42140-CB71-4442-8529-49571E635128}" type="datetimeFigureOut">
               <a:rPr lang="zh-CN" altLang="en-US" smtClean="0"/>
-              <a:t>2024/5/6</a:t>
+              <a:t>2024/5/14</a:t>
             </a:fld>
             <a:endParaRPr lang="zh-CN" altLang="en-US"/>
           </a:p>
@@ -3595,13 +3630,13 @@
   <p:clrMapOvr>
     <a:masterClrMapping/>
   </p:clrMapOvr>
-  <mc:AlternateContent xmlns:mc="http://schemas.openxmlformats.org/markup-compatibility/2006">
-    <mc:Choice xmlns:p14="http://schemas.microsoft.com/office/powerpoint/2010/main" Requires="p14">
+  <mc:AlternateContent xmlns:mc="http://schemas.openxmlformats.org/markup-compatibility/2006" xmlns:p14="http://schemas.microsoft.com/office/powerpoint/2010/main">
+    <mc:Choice Requires="p14">
       <p:transition p14:dur="300">
         <p:wipe/>
       </p:transition>
     </mc:Choice>
-    <mc:Fallback>
+    <mc:Fallback xmlns="">
       <p:transition>
         <p:wipe/>
       </p:transition>
@@ -3778,7 +3813,7 @@
           <a:p>
             <a:fld id="{85C42140-CB71-4442-8529-49571E635128}" type="datetimeFigureOut">
               <a:rPr lang="zh-CN" altLang="en-US" smtClean="0"/>
-              <a:t>2024/5/6</a:t>
+              <a:t>2024/5/14</a:t>
             </a:fld>
             <a:endParaRPr lang="zh-CN" altLang="en-US"/>
           </a:p>
@@ -3831,13 +3866,13 @@
   <p:clrMapOvr>
     <a:masterClrMapping/>
   </p:clrMapOvr>
-  <mc:AlternateContent xmlns:mc="http://schemas.openxmlformats.org/markup-compatibility/2006">
-    <mc:Choice xmlns:p14="http://schemas.microsoft.com/office/powerpoint/2010/main" Requires="p14">
+  <mc:AlternateContent xmlns:mc="http://schemas.openxmlformats.org/markup-compatibility/2006" xmlns:p14="http://schemas.microsoft.com/office/powerpoint/2010/main">
+    <mc:Choice Requires="p14">
       <p:transition p14:dur="300">
         <p:wipe/>
       </p:transition>
     </mc:Choice>
-    <mc:Fallback>
+    <mc:Fallback xmlns="">
       <p:transition>
         <p:wipe/>
       </p:transition>
@@ -4149,7 +4184,7 @@
           <a:p>
             <a:fld id="{85C42140-CB71-4442-8529-49571E635128}" type="datetimeFigureOut">
               <a:rPr lang="zh-CN" altLang="en-US" smtClean="0"/>
-              <a:t>2024/5/6</a:t>
+              <a:t>2024/5/14</a:t>
             </a:fld>
             <a:endParaRPr lang="zh-CN" altLang="en-US"/>
           </a:p>
@@ -4202,13 +4237,13 @@
   <p:clrMapOvr>
     <a:masterClrMapping/>
   </p:clrMapOvr>
-  <mc:AlternateContent xmlns:mc="http://schemas.openxmlformats.org/markup-compatibility/2006">
-    <mc:Choice xmlns:p14="http://schemas.microsoft.com/office/powerpoint/2010/main" Requires="p14">
+  <mc:AlternateContent xmlns:mc="http://schemas.openxmlformats.org/markup-compatibility/2006" xmlns:p14="http://schemas.microsoft.com/office/powerpoint/2010/main">
+    <mc:Choice Requires="p14">
       <p:transition p14:dur="300">
         <p:wipe/>
       </p:transition>
     </mc:Choice>
-    <mc:Fallback>
+    <mc:Fallback xmlns="">
       <p:transition>
         <p:wipe/>
       </p:transition>
@@ -4273,7 +4308,7 @@
           <a:p>
             <a:fld id="{85C42140-CB71-4442-8529-49571E635128}" type="datetimeFigureOut">
               <a:rPr lang="zh-CN" altLang="en-US" smtClean="0"/>
-              <a:t>2024/5/6</a:t>
+              <a:t>2024/5/14</a:t>
             </a:fld>
             <a:endParaRPr lang="zh-CN" altLang="en-US"/>
           </a:p>
@@ -4326,13 +4361,13 @@
   <p:clrMapOvr>
     <a:masterClrMapping/>
   </p:clrMapOvr>
-  <mc:AlternateContent xmlns:mc="http://schemas.openxmlformats.org/markup-compatibility/2006">
-    <mc:Choice xmlns:p14="http://schemas.microsoft.com/office/powerpoint/2010/main" Requires="p14">
+  <mc:AlternateContent xmlns:mc="http://schemas.openxmlformats.org/markup-compatibility/2006" xmlns:p14="http://schemas.microsoft.com/office/powerpoint/2010/main">
+    <mc:Choice Requires="p14">
       <p:transition p14:dur="300">
         <p:wipe/>
       </p:transition>
     </mc:Choice>
-    <mc:Fallback>
+    <mc:Fallback xmlns="">
       <p:transition>
         <p:wipe/>
       </p:transition>
@@ -4375,7 +4410,7 @@
           <a:p>
             <a:fld id="{85C42140-CB71-4442-8529-49571E635128}" type="datetimeFigureOut">
               <a:rPr lang="zh-CN" altLang="en-US" smtClean="0"/>
-              <a:t>2024/5/6</a:t>
+              <a:t>2024/5/14</a:t>
             </a:fld>
             <a:endParaRPr lang="zh-CN" altLang="en-US"/>
           </a:p>
@@ -4428,13 +4463,13 @@
   <p:clrMapOvr>
     <a:masterClrMapping/>
   </p:clrMapOvr>
-  <mc:AlternateContent xmlns:mc="http://schemas.openxmlformats.org/markup-compatibility/2006">
-    <mc:Choice xmlns:p14="http://schemas.microsoft.com/office/powerpoint/2010/main" Requires="p14">
+  <mc:AlternateContent xmlns:mc="http://schemas.openxmlformats.org/markup-compatibility/2006" xmlns:p14="http://schemas.microsoft.com/office/powerpoint/2010/main">
+    <mc:Choice Requires="p14">
       <p:transition p14:dur="300">
         <p:wipe/>
       </p:transition>
     </mc:Choice>
-    <mc:Fallback>
+    <mc:Fallback xmlns="">
       <p:transition>
         <p:wipe/>
       </p:transition>
@@ -4657,7 +4692,7 @@
           <a:p>
             <a:fld id="{85C42140-CB71-4442-8529-49571E635128}" type="datetimeFigureOut">
               <a:rPr lang="zh-CN" altLang="en-US" smtClean="0"/>
-              <a:t>2024/5/6</a:t>
+              <a:t>2024/5/14</a:t>
             </a:fld>
             <a:endParaRPr lang="zh-CN" altLang="en-US"/>
           </a:p>
@@ -4710,13 +4745,13 @@
   <p:clrMapOvr>
     <a:masterClrMapping/>
   </p:clrMapOvr>
-  <mc:AlternateContent xmlns:mc="http://schemas.openxmlformats.org/markup-compatibility/2006">
-    <mc:Choice xmlns:p14="http://schemas.microsoft.com/office/powerpoint/2010/main" Requires="p14">
+  <mc:AlternateContent xmlns:mc="http://schemas.openxmlformats.org/markup-compatibility/2006" xmlns:p14="http://schemas.microsoft.com/office/powerpoint/2010/main">
+    <mc:Choice Requires="p14">
       <p:transition p14:dur="300">
         <p:wipe/>
       </p:transition>
     </mc:Choice>
-    <mc:Fallback>
+    <mc:Fallback xmlns="">
       <p:transition>
         <p:wipe/>
       </p:transition>
@@ -4916,7 +4951,7 @@
           <a:p>
             <a:fld id="{85C42140-CB71-4442-8529-49571E635128}" type="datetimeFigureOut">
               <a:rPr lang="zh-CN" altLang="en-US" smtClean="0"/>
-              <a:t>2024/5/6</a:t>
+              <a:t>2024/5/14</a:t>
             </a:fld>
             <a:endParaRPr lang="zh-CN" altLang="en-US"/>
           </a:p>
@@ -4969,13 +5004,13 @@
   <p:clrMapOvr>
     <a:masterClrMapping/>
   </p:clrMapOvr>
-  <mc:AlternateContent xmlns:mc="http://schemas.openxmlformats.org/markup-compatibility/2006">
-    <mc:Choice xmlns:p14="http://schemas.microsoft.com/office/powerpoint/2010/main" Requires="p14">
+  <mc:AlternateContent xmlns:mc="http://schemas.openxmlformats.org/markup-compatibility/2006" xmlns:p14="http://schemas.microsoft.com/office/powerpoint/2010/main">
+    <mc:Choice Requires="p14">
       <p:transition p14:dur="300">
         <p:wipe/>
       </p:transition>
     </mc:Choice>
-    <mc:Fallback>
+    <mc:Fallback xmlns="">
       <p:transition>
         <p:wipe/>
       </p:transition>
@@ -5134,7 +5169,7 @@
           <a:p>
             <a:fld id="{85C42140-CB71-4442-8529-49571E635128}" type="datetimeFigureOut">
               <a:rPr lang="zh-CN" altLang="en-US" smtClean="0"/>
-              <a:t>2024/5/6</a:t>
+              <a:t>2024/5/14</a:t>
             </a:fld>
             <a:endParaRPr lang="zh-CN" altLang="en-US"/>
           </a:p>
@@ -5234,13 +5269,13 @@
     <p:sldLayoutId id="2147483658" r:id="rId10"/>
     <p:sldLayoutId id="2147483659" r:id="rId11"/>
   </p:sldLayoutIdLst>
-  <mc:AlternateContent xmlns:mc="http://schemas.openxmlformats.org/markup-compatibility/2006">
-    <mc:Choice xmlns:p14="http://schemas.microsoft.com/office/powerpoint/2010/main" Requires="p14">
+  <mc:AlternateContent xmlns:mc="http://schemas.openxmlformats.org/markup-compatibility/2006" xmlns:p14="http://schemas.microsoft.com/office/powerpoint/2010/main">
+    <mc:Choice Requires="p14">
       <p:transition p14:dur="300">
         <p:wipe/>
       </p:transition>
     </mc:Choice>
-    <mc:Fallback>
+    <mc:Fallback xmlns="">
       <p:transition>
         <p:wipe/>
       </p:transition>
@@ -5679,7 +5714,7 @@
           <a:p>
             <a:fld id="{904DB1EA-3FAC-41CE-A40B-EE2C07A60573}" type="datetimeFigureOut">
               <a:rPr lang="zh-CN" altLang="en-US" smtClean="0"/>
-              <a:t>2024/5/6</a:t>
+              <a:t>2024/5/14</a:t>
             </a:fld>
             <a:endParaRPr lang="zh-CN" altLang="en-US"/>
           </a:p>
@@ -5766,13 +5801,13 @@
     </p:spTree>
   </p:cSld>
   <p:clrMap bg1="lt1" tx1="dk1" bg2="lt2" tx2="dk2" accent1="accent1" accent2="accent2" accent3="accent3" accent4="accent4" accent5="accent5" accent6="accent6" hlink="hlink" folHlink="folHlink"/>
-  <mc:AlternateContent xmlns:mc="http://schemas.openxmlformats.org/markup-compatibility/2006">
-    <mc:Choice xmlns:p14="http://schemas.microsoft.com/office/powerpoint/2010/main" Requires="p14">
+  <mc:AlternateContent xmlns:mc="http://schemas.openxmlformats.org/markup-compatibility/2006" xmlns:p14="http://schemas.microsoft.com/office/powerpoint/2010/main">
+    <mc:Choice Requires="p14">
       <p:transition p14:dur="300">
         <p:wipe/>
       </p:transition>
     </mc:Choice>
-    <mc:Fallback>
+    <mc:Fallback xmlns="">
       <p:transition>
         <p:wipe/>
       </p:transition>
@@ -6211,7 +6246,7 @@
           <a:p>
             <a:fld id="{904DB1EA-3FAC-41CE-A40B-EE2C07A60573}" type="datetimeFigureOut">
               <a:rPr lang="zh-CN" altLang="en-US" smtClean="0"/>
-              <a:t>2024/5/6</a:t>
+              <a:t>2024/5/14</a:t>
             </a:fld>
             <a:endParaRPr lang="zh-CN" altLang="en-US"/>
           </a:p>
@@ -6302,13 +6337,13 @@
     <p:sldLayoutId id="2147483662" r:id="rId1"/>
     <p:sldLayoutId id="2147483663" r:id="rId2"/>
   </p:sldLayoutIdLst>
-  <mc:AlternateContent xmlns:mc="http://schemas.openxmlformats.org/markup-compatibility/2006">
-    <mc:Choice xmlns:p14="http://schemas.microsoft.com/office/powerpoint/2010/main" Requires="p14">
+  <mc:AlternateContent xmlns:mc="http://schemas.openxmlformats.org/markup-compatibility/2006" xmlns:p14="http://schemas.microsoft.com/office/powerpoint/2010/main">
+    <mc:Choice Requires="p14">
       <p:transition p14:dur="300">
         <p:wipe/>
       </p:transition>
     </mc:Choice>
-    <mc:Fallback>
+    <mc:Fallback xmlns="">
       <p:transition>
         <p:wipe/>
       </p:transition>
@@ -9575,13 +9610,13 @@
   <p:clrMapOvr>
     <a:masterClrMapping/>
   </p:clrMapOvr>
-  <mc:AlternateContent xmlns:mc="http://schemas.openxmlformats.org/markup-compatibility/2006">
-    <mc:Choice xmlns:p14="http://schemas.microsoft.com/office/powerpoint/2010/main" Requires="p14">
+  <mc:AlternateContent xmlns:mc="http://schemas.openxmlformats.org/markup-compatibility/2006" xmlns:p14="http://schemas.microsoft.com/office/powerpoint/2010/main">
+    <mc:Choice Requires="p14">
       <p:transition p14:dur="300">
         <p:wipe/>
       </p:transition>
     </mc:Choice>
-    <mc:Fallback>
+    <mc:Fallback xmlns="">
       <p:transition>
         <p:wipe/>
       </p:transition>
@@ -10215,13 +10250,13 @@
   <p:clrMapOvr>
     <a:masterClrMapping/>
   </p:clrMapOvr>
-  <mc:AlternateContent xmlns:mc="http://schemas.openxmlformats.org/markup-compatibility/2006">
-    <mc:Choice xmlns:p14="http://schemas.microsoft.com/office/powerpoint/2010/main" Requires="p14">
+  <mc:AlternateContent xmlns:mc="http://schemas.openxmlformats.org/markup-compatibility/2006" xmlns:p14="http://schemas.microsoft.com/office/powerpoint/2010/main">
+    <mc:Choice Requires="p14">
       <p:transition p14:dur="300">
         <p:wipe/>
       </p:transition>
     </mc:Choice>
-    <mc:Fallback>
+    <mc:Fallback xmlns="">
       <p:transition>
         <p:wipe/>
       </p:transition>
@@ -13018,13 +13053,13 @@
   <p:clrMapOvr>
     <a:masterClrMapping/>
   </p:clrMapOvr>
-  <mc:AlternateContent xmlns:mc="http://schemas.openxmlformats.org/markup-compatibility/2006">
-    <mc:Choice xmlns:p14="http://schemas.microsoft.com/office/powerpoint/2010/main" Requires="p14">
+  <mc:AlternateContent xmlns:mc="http://schemas.openxmlformats.org/markup-compatibility/2006" xmlns:p14="http://schemas.microsoft.com/office/powerpoint/2010/main">
+    <mc:Choice Requires="p14">
       <p:transition p14:dur="300">
         <p:wipe/>
       </p:transition>
     </mc:Choice>
-    <mc:Fallback>
+    <mc:Fallback xmlns="">
       <p:transition>
         <p:wipe/>
       </p:transition>
@@ -13879,13 +13914,13 @@
   <p:clrMapOvr>
     <a:masterClrMapping/>
   </p:clrMapOvr>
-  <mc:AlternateContent xmlns:mc="http://schemas.openxmlformats.org/markup-compatibility/2006">
-    <mc:Choice xmlns:p14="http://schemas.microsoft.com/office/powerpoint/2010/main" Requires="p14">
+  <mc:AlternateContent xmlns:mc="http://schemas.openxmlformats.org/markup-compatibility/2006" xmlns:p14="http://schemas.microsoft.com/office/powerpoint/2010/main">
+    <mc:Choice Requires="p14">
       <p:transition p14:dur="300">
         <p:wipe/>
       </p:transition>
     </mc:Choice>
-    <mc:Fallback>
+    <mc:Fallback xmlns="">
       <p:transition>
         <p:wipe/>
       </p:transition>
@@ -14563,13 +14598,13 @@
   <p:clrMapOvr>
     <a:masterClrMapping/>
   </p:clrMapOvr>
-  <mc:AlternateContent xmlns:mc="http://schemas.openxmlformats.org/markup-compatibility/2006">
-    <mc:Choice xmlns:p14="http://schemas.microsoft.com/office/powerpoint/2010/main" Requires="p14">
+  <mc:AlternateContent xmlns:mc="http://schemas.openxmlformats.org/markup-compatibility/2006" xmlns:p14="http://schemas.microsoft.com/office/powerpoint/2010/main">
+    <mc:Choice Requires="p14">
       <p:transition p14:dur="300">
         <p:wipe/>
       </p:transition>
     </mc:Choice>
-    <mc:Fallback>
+    <mc:Fallback xmlns="">
       <p:transition>
         <p:wipe/>
       </p:transition>
@@ -15351,13 +15386,13 @@
   <p:clrMapOvr>
     <a:masterClrMapping/>
   </p:clrMapOvr>
-  <mc:AlternateContent xmlns:mc="http://schemas.openxmlformats.org/markup-compatibility/2006">
-    <mc:Choice xmlns:p14="http://schemas.microsoft.com/office/powerpoint/2010/main" Requires="p14">
+  <mc:AlternateContent xmlns:mc="http://schemas.openxmlformats.org/markup-compatibility/2006" xmlns:p14="http://schemas.microsoft.com/office/powerpoint/2010/main">
+    <mc:Choice Requires="p14">
       <p:transition p14:dur="300">
         <p:wipe/>
       </p:transition>
     </mc:Choice>
-    <mc:Fallback>
+    <mc:Fallback xmlns="">
       <p:transition>
         <p:wipe/>
       </p:transition>
@@ -15787,13 +15822,13 @@
   <p:clrMapOvr>
     <a:masterClrMapping/>
   </p:clrMapOvr>
-  <mc:AlternateContent xmlns:mc="http://schemas.openxmlformats.org/markup-compatibility/2006">
-    <mc:Choice xmlns:p14="http://schemas.microsoft.com/office/powerpoint/2010/main" Requires="p14">
+  <mc:AlternateContent xmlns:mc="http://schemas.openxmlformats.org/markup-compatibility/2006" xmlns:p14="http://schemas.microsoft.com/office/powerpoint/2010/main">
+    <mc:Choice Requires="p14">
       <p:transition p14:dur="300">
         <p:wipe/>
       </p:transition>
     </mc:Choice>
-    <mc:Fallback>
+    <mc:Fallback xmlns="">
       <p:transition>
         <p:wipe/>
       </p:transition>
@@ -16646,13 +16681,13 @@
   <p:clrMapOvr>
     <a:masterClrMapping/>
   </p:clrMapOvr>
-  <mc:AlternateContent xmlns:mc="http://schemas.openxmlformats.org/markup-compatibility/2006">
-    <mc:Choice xmlns:p14="http://schemas.microsoft.com/office/powerpoint/2010/main" Requires="p14">
+  <mc:AlternateContent xmlns:mc="http://schemas.openxmlformats.org/markup-compatibility/2006" xmlns:p14="http://schemas.microsoft.com/office/powerpoint/2010/main">
+    <mc:Choice Requires="p14">
       <p:transition p14:dur="300">
         <p:wipe/>
       </p:transition>
     </mc:Choice>
-    <mc:Fallback>
+    <mc:Fallback xmlns="">
       <p:transition>
         <p:wipe/>
       </p:transition>
@@ -19639,13 +19674,13 @@
   <p:clrMapOvr>
     <a:masterClrMapping/>
   </p:clrMapOvr>
-  <mc:AlternateContent xmlns:mc="http://schemas.openxmlformats.org/markup-compatibility/2006">
-    <mc:Choice xmlns:p14="http://schemas.microsoft.com/office/powerpoint/2010/main" Requires="p14">
+  <mc:AlternateContent xmlns:mc="http://schemas.openxmlformats.org/markup-compatibility/2006" xmlns:p14="http://schemas.microsoft.com/office/powerpoint/2010/main">
+    <mc:Choice Requires="p14">
       <p:transition p14:dur="300">
         <p:wipe/>
       </p:transition>
     </mc:Choice>
-    <mc:Fallback>
+    <mc:Fallback xmlns="">
       <p:transition>
         <p:wipe/>
       </p:transition>
@@ -20403,13 +20438,13 @@
   <p:clrMapOvr>
     <a:masterClrMapping/>
   </p:clrMapOvr>
-  <mc:AlternateContent xmlns:mc="http://schemas.openxmlformats.org/markup-compatibility/2006">
-    <mc:Choice xmlns:p14="http://schemas.microsoft.com/office/powerpoint/2010/main" Requires="p14">
+  <mc:AlternateContent xmlns:mc="http://schemas.openxmlformats.org/markup-compatibility/2006" xmlns:p14="http://schemas.microsoft.com/office/powerpoint/2010/main">
+    <mc:Choice Requires="p14">
       <p:transition p14:dur="300">
         <p:wipe/>
       </p:transition>
     </mc:Choice>
-    <mc:Fallback>
+    <mc:Fallback xmlns="">
       <p:transition>
         <p:wipe/>
       </p:transition>
@@ -23201,13 +23236,13 @@
   <p:clrMapOvr>
     <a:masterClrMapping/>
   </p:clrMapOvr>
-  <mc:AlternateContent xmlns:mc="http://schemas.openxmlformats.org/markup-compatibility/2006">
-    <mc:Choice xmlns:p14="http://schemas.microsoft.com/office/powerpoint/2010/main" Requires="p14">
+  <mc:AlternateContent xmlns:mc="http://schemas.openxmlformats.org/markup-compatibility/2006" xmlns:p14="http://schemas.microsoft.com/office/powerpoint/2010/main">
+    <mc:Choice Requires="p14">
       <p:transition p14:dur="300">
         <p:wipe/>
       </p:transition>
     </mc:Choice>
-    <mc:Fallback>
+    <mc:Fallback xmlns="">
       <p:transition>
         <p:wipe/>
       </p:transition>
@@ -24111,13 +24146,13 @@
   <p:clrMapOvr>
     <a:masterClrMapping/>
   </p:clrMapOvr>
-  <mc:AlternateContent xmlns:mc="http://schemas.openxmlformats.org/markup-compatibility/2006">
-    <mc:Choice xmlns:p14="http://schemas.microsoft.com/office/powerpoint/2010/main" Requires="p14">
+  <mc:AlternateContent xmlns:mc="http://schemas.openxmlformats.org/markup-compatibility/2006" xmlns:p14="http://schemas.microsoft.com/office/powerpoint/2010/main">
+    <mc:Choice Requires="p14">
       <p:transition p14:dur="300">
         <p:wipe/>
       </p:transition>
     </mc:Choice>
-    <mc:Fallback>
+    <mc:Fallback xmlns="">
       <p:transition>
         <p:wipe/>
       </p:transition>
@@ -24719,13 +24754,13 @@
   <p:clrMapOvr>
     <a:masterClrMapping/>
   </p:clrMapOvr>
-  <mc:AlternateContent xmlns:mc="http://schemas.openxmlformats.org/markup-compatibility/2006">
-    <mc:Choice xmlns:p14="http://schemas.microsoft.com/office/powerpoint/2010/main" Requires="p14">
+  <mc:AlternateContent xmlns:mc="http://schemas.openxmlformats.org/markup-compatibility/2006" xmlns:p14="http://schemas.microsoft.com/office/powerpoint/2010/main">
+    <mc:Choice Requires="p14">
       <p:transition p14:dur="300">
         <p:wipe/>
       </p:transition>
     </mc:Choice>
-    <mc:Fallback>
+    <mc:Fallback xmlns="">
       <p:transition>
         <p:wipe/>
       </p:transition>
@@ -27522,13 +27557,13 @@
   <p:clrMapOvr>
     <a:masterClrMapping/>
   </p:clrMapOvr>
-  <mc:AlternateContent xmlns:mc="http://schemas.openxmlformats.org/markup-compatibility/2006">
-    <mc:Choice xmlns:p14="http://schemas.microsoft.com/office/powerpoint/2010/main" Requires="p14">
+  <mc:AlternateContent xmlns:mc="http://schemas.openxmlformats.org/markup-compatibility/2006" xmlns:p14="http://schemas.microsoft.com/office/powerpoint/2010/main">
+    <mc:Choice Requires="p14">
       <p:transition p14:dur="300">
         <p:wipe/>
       </p:transition>
     </mc:Choice>
-    <mc:Fallback>
+    <mc:Fallback xmlns="">
       <p:transition>
         <p:wipe/>
       </p:transition>
@@ -28107,13 +28142,13 @@
   <p:clrMapOvr>
     <a:masterClrMapping/>
   </p:clrMapOvr>
-  <mc:AlternateContent xmlns:mc="http://schemas.openxmlformats.org/markup-compatibility/2006">
-    <mc:Choice xmlns:p14="http://schemas.microsoft.com/office/powerpoint/2010/main" Requires="p14">
+  <mc:AlternateContent xmlns:mc="http://schemas.openxmlformats.org/markup-compatibility/2006" xmlns:p14="http://schemas.microsoft.com/office/powerpoint/2010/main">
+    <mc:Choice Requires="p14">
       <p:transition p14:dur="300">
         <p:wipe/>
       </p:transition>
     </mc:Choice>
-    <mc:Fallback>
+    <mc:Fallback xmlns="">
       <p:transition>
         <p:wipe/>
       </p:transition>
@@ -28571,13 +28606,13 @@
   <p:clrMapOvr>
     <a:masterClrMapping/>
   </p:clrMapOvr>
-  <mc:AlternateContent xmlns:mc="http://schemas.openxmlformats.org/markup-compatibility/2006">
-    <mc:Choice xmlns:p14="http://schemas.microsoft.com/office/powerpoint/2010/main" Requires="p14">
+  <mc:AlternateContent xmlns:mc="http://schemas.openxmlformats.org/markup-compatibility/2006" xmlns:p14="http://schemas.microsoft.com/office/powerpoint/2010/main">
+    <mc:Choice Requires="p14">
       <p:transition p14:dur="300">
         <p:wipe/>
       </p:transition>
     </mc:Choice>
-    <mc:Fallback>
+    <mc:Fallback xmlns="">
       <p:transition>
         <p:wipe/>
       </p:transition>
@@ -29238,13 +29273,13 @@
   <p:clrMapOvr>
     <a:masterClrMapping/>
   </p:clrMapOvr>
-  <mc:AlternateContent xmlns:mc="http://schemas.openxmlformats.org/markup-compatibility/2006">
-    <mc:Choice xmlns:p14="http://schemas.microsoft.com/office/powerpoint/2010/main" Requires="p14">
+  <mc:AlternateContent xmlns:mc="http://schemas.openxmlformats.org/markup-compatibility/2006" xmlns:p14="http://schemas.microsoft.com/office/powerpoint/2010/main">
+    <mc:Choice Requires="p14">
       <p:transition p14:dur="300">
         <p:wipe/>
       </p:transition>
     </mc:Choice>
-    <mc:Fallback>
+    <mc:Fallback xmlns="">
       <p:transition>
         <p:wipe/>
       </p:transition>
